--- a/DynamischeSucheInTexten.pptx
+++ b/DynamischeSucheInTexten.pptx
@@ -5,7 +5,7 @@
     <p:sldMasterId id="2147483648" r:id="rId1"/>
   </p:sldMasterIdLst>
   <p:notesMasterIdLst>
-    <p:notesMasterId r:id="rId9"/>
+    <p:notesMasterId r:id="rId10"/>
   </p:notesMasterIdLst>
   <p:sldIdLst>
     <p:sldId id="257" r:id="rId2"/>
@@ -13,8 +13,9 @@
     <p:sldId id="259" r:id="rId4"/>
     <p:sldId id="260" r:id="rId5"/>
     <p:sldId id="261" r:id="rId6"/>
-    <p:sldId id="262" r:id="rId7"/>
-    <p:sldId id="263" r:id="rId8"/>
+    <p:sldId id="264" r:id="rId7"/>
+    <p:sldId id="262" r:id="rId8"/>
+    <p:sldId id="263" r:id="rId9"/>
   </p:sldIdLst>
   <p:sldSz cx="12192000" cy="6858000"/>
   <p:notesSz cx="6858000" cy="9144000"/>
@@ -203,7 +204,7 @@
           <a:p>
             <a:fld id="{CB11700A-E254-4190-B0D0-3A8041F18939}" type="datetimeFigureOut">
               <a:rPr lang="de-DE" smtClean="0"/>
-              <a:t>27.07.2016</a:t>
+              <a:t>28.07.2016</a:t>
             </a:fld>
             <a:endParaRPr lang="de-DE"/>
           </a:p>
@@ -1309,7 +1310,7 @@
           <a:p>
             <a:fld id="{3C7CEE19-D3BB-403E-98F2-EDFAA7862143}" type="datetime1">
               <a:rPr lang="de-DE" smtClean="0"/>
-              <a:t>27.07.2016</a:t>
+              <a:t>28.07.2016</a:t>
             </a:fld>
             <a:endParaRPr lang="en-US" dirty="0"/>
           </a:p>
@@ -1560,7 +1561,7 @@
           <a:p>
             <a:fld id="{E6A9280F-3AA6-4006-850A-3A6281FB79EF}" type="datetime1">
               <a:rPr lang="de-DE" smtClean="0"/>
-              <a:t>27.07.2016</a:t>
+              <a:t>28.07.2016</a:t>
             </a:fld>
             <a:endParaRPr lang="en-US" dirty="0"/>
           </a:p>
@@ -1870,7 +1871,7 @@
           <a:p>
             <a:fld id="{A5E59343-A3D2-41ED-AE7F-541FB57F1EAF}" type="datetime1">
               <a:rPr lang="de-DE" smtClean="0"/>
-              <a:t>27.07.2016</a:t>
+              <a:t>28.07.2016</a:t>
             </a:fld>
             <a:endParaRPr lang="en-US" dirty="0"/>
           </a:p>
@@ -2208,7 +2209,7 @@
           <a:p>
             <a:fld id="{9B7F8596-D380-433A-8A08-C347D5B91E66}" type="datetime1">
               <a:rPr lang="de-DE" smtClean="0"/>
-              <a:t>27.07.2016</a:t>
+              <a:t>28.07.2016</a:t>
             </a:fld>
             <a:endParaRPr lang="en-US" dirty="0"/>
           </a:p>
@@ -2522,7 +2523,7 @@
           <a:p>
             <a:fld id="{17BF7F49-B1E1-4626-A545-BA9DAA9E381F}" type="datetime1">
               <a:rPr lang="de-DE" smtClean="0"/>
-              <a:t>27.07.2016</a:t>
+              <a:t>28.07.2016</a:t>
             </a:fld>
             <a:endParaRPr lang="en-US" dirty="0"/>
           </a:p>
@@ -2911,7 +2912,7 @@
           <a:p>
             <a:fld id="{B8EE14D4-40F3-4F27-9960-F70DE44D5EA8}" type="datetime1">
               <a:rPr lang="de-DE" smtClean="0"/>
-              <a:t>27.07.2016</a:t>
+              <a:t>28.07.2016</a:t>
             </a:fld>
             <a:endParaRPr lang="en-US" dirty="0"/>
           </a:p>
@@ -3077,7 +3078,7 @@
           <a:p>
             <a:fld id="{4BFE8BE6-AA95-49CE-B10B-178AD03E176E}" type="datetime1">
               <a:rPr lang="de-DE" smtClean="0"/>
-              <a:t>27.07.2016</a:t>
+              <a:t>28.07.2016</a:t>
             </a:fld>
             <a:endParaRPr lang="en-US" dirty="0"/>
           </a:p>
@@ -3252,7 +3253,7 @@
           <a:p>
             <a:fld id="{C37594C4-D564-4DEF-B64B-978434BB2017}" type="datetime1">
               <a:rPr lang="de-DE" smtClean="0"/>
-              <a:t>27.07.2016</a:t>
+              <a:t>28.07.2016</a:t>
             </a:fld>
             <a:endParaRPr lang="en-US" dirty="0"/>
           </a:p>
@@ -3427,7 +3428,7 @@
           <a:p>
             <a:fld id="{419CE78D-6FD4-4B0E-85F5-5FEA71F2658A}" type="datetime1">
               <a:rPr lang="de-DE" smtClean="0"/>
-              <a:t>27.07.2016</a:t>
+              <a:t>28.07.2016</a:t>
             </a:fld>
             <a:endParaRPr lang="en-US" dirty="0"/>
           </a:p>
@@ -3674,7 +3675,7 @@
           <a:p>
             <a:fld id="{9E887779-CEDC-4441-BC6F-2DB042B1D387}" type="datetime1">
               <a:rPr lang="de-DE" smtClean="0"/>
-              <a:t>27.07.2016</a:t>
+              <a:t>28.07.2016</a:t>
             </a:fld>
             <a:endParaRPr lang="en-US" dirty="0"/>
           </a:p>
@@ -3902,7 +3903,7 @@
           <a:p>
             <a:fld id="{A27E6222-4730-400B-BBF8-C9449A2D06D7}" type="datetime1">
               <a:rPr lang="de-DE" smtClean="0"/>
-              <a:t>27.07.2016</a:t>
+              <a:t>28.07.2016</a:t>
             </a:fld>
             <a:endParaRPr lang="en-US" dirty="0"/>
           </a:p>
@@ -4271,7 +4272,7 @@
           <a:p>
             <a:fld id="{497BE652-119F-490A-AC1C-013C6AEECBC9}" type="datetime1">
               <a:rPr lang="de-DE" smtClean="0"/>
-              <a:t>27.07.2016</a:t>
+              <a:t>28.07.2016</a:t>
             </a:fld>
             <a:endParaRPr lang="en-US" dirty="0"/>
           </a:p>
@@ -4390,7 +4391,7 @@
           <a:p>
             <a:fld id="{08375000-6A04-4A36-B9E8-52888874440B}" type="datetime1">
               <a:rPr lang="de-DE" smtClean="0"/>
-              <a:t>27.07.2016</a:t>
+              <a:t>28.07.2016</a:t>
             </a:fld>
             <a:endParaRPr lang="en-US" dirty="0"/>
           </a:p>
@@ -4481,7 +4482,7 @@
           <a:p>
             <a:fld id="{CF87E135-5060-4D9E-A281-C2449C409D95}" type="datetime1">
               <a:rPr lang="de-DE" smtClean="0"/>
-              <a:t>27.07.2016</a:t>
+              <a:t>28.07.2016</a:t>
             </a:fld>
             <a:endParaRPr lang="en-US" dirty="0"/>
           </a:p>
@@ -4732,7 +4733,7 @@
           <a:p>
             <a:fld id="{62D131A6-78F7-4F2E-8939-DBC7C64A0F88}" type="datetime1">
               <a:rPr lang="de-DE" smtClean="0"/>
-              <a:t>27.07.2016</a:t>
+              <a:t>28.07.2016</a:t>
             </a:fld>
             <a:endParaRPr lang="en-US" dirty="0"/>
           </a:p>
@@ -5033,7 +5034,7 @@
           <a:p>
             <a:fld id="{9A378205-EB21-498E-B8A7-95470E12B3B3}" type="datetime1">
               <a:rPr lang="de-DE" smtClean="0"/>
-              <a:t>27.07.2016</a:t>
+              <a:t>28.07.2016</a:t>
             </a:fld>
             <a:endParaRPr lang="en-US" dirty="0"/>
           </a:p>
@@ -5730,7 +5731,7 @@
           <a:p>
             <a:fld id="{E32C8C40-28D1-4414-B124-559F3FEC61BF}" type="datetime1">
               <a:rPr lang="de-DE" smtClean="0"/>
-              <a:t>27.07.2016</a:t>
+              <a:t>28.07.2016</a:t>
             </a:fld>
             <a:endParaRPr lang="en-US" dirty="0"/>
           </a:p>
@@ -6346,7 +6347,7 @@
           <a:p>
             <a:fld id="{7772A865-43F8-4524-A1A0-67B3864C9AED}" type="datetime1">
               <a:rPr lang="de-DE" smtClean="0"/>
-              <a:t>27.07.2016</a:t>
+              <a:t>28.07.2016</a:t>
             </a:fld>
             <a:endParaRPr lang="en-US" dirty="0"/>
           </a:p>
@@ -6504,7 +6505,7 @@
           <a:p>
             <a:fld id="{FA9D7130-EB7A-47C2-A08F-BCAB38C65F1E}" type="datetime1">
               <a:rPr lang="de-DE" smtClean="0"/>
-              <a:t>27.07.2016</a:t>
+              <a:t>28.07.2016</a:t>
             </a:fld>
             <a:endParaRPr lang="en-US" dirty="0"/>
           </a:p>
@@ -6694,7 +6695,7 @@
           <a:p>
             <a:fld id="{BE6282FA-925E-4125-B3F8-7E19EFE327E1}" type="datetime1">
               <a:rPr lang="de-DE" smtClean="0"/>
-              <a:t>27.07.2016</a:t>
+              <a:t>28.07.2016</a:t>
             </a:fld>
             <a:endParaRPr lang="en-US" dirty="0"/>
           </a:p>
@@ -6763,10 +6764,24 @@
           <a:lstStyle/>
           <a:p>
             <a:r>
-              <a:rPr lang="de-DE" sz="1600" dirty="0" smtClean="0"/>
+              <a:rPr lang="de-DE" sz="1600" dirty="0" smtClean="0">
+                <a:solidFill>
+                  <a:schemeClr val="tx1">
+                    <a:lumMod val="75000"/>
+                    <a:lumOff val="25000"/>
+                  </a:schemeClr>
+                </a:solidFill>
+              </a:rPr>
               <a:t>Aufwändige Vorverarbeitung (z.B. anlegen eines Index) lohnt sich nicht</a:t>
             </a:r>
-            <a:endParaRPr lang="de-DE" sz="1600" dirty="0"/>
+            <a:endParaRPr lang="de-DE" sz="1600" dirty="0">
+              <a:solidFill>
+                <a:schemeClr val="tx1">
+                  <a:lumMod val="75000"/>
+                  <a:lumOff val="25000"/>
+                </a:schemeClr>
+              </a:solidFill>
+            </a:endParaRPr>
           </a:p>
         </p:txBody>
       </p:sp>
@@ -6807,361 +6822,9 @@
   <p:timing>
     <p:tnLst>
       <p:par>
-        <p:cTn id="1" dur="indefinite" restart="never" nodeType="tmRoot">
-          <p:childTnLst>
-            <p:seq concurrent="1" nextAc="seek">
-              <p:cTn id="2" dur="indefinite" nodeType="mainSeq">
-                <p:childTnLst>
-                  <p:par>
-                    <p:cTn id="3" fill="hold">
-                      <p:stCondLst>
-                        <p:cond delay="indefinite"/>
-                      </p:stCondLst>
-                      <p:childTnLst>
-                        <p:par>
-                          <p:cTn id="4" fill="hold">
-                            <p:stCondLst>
-                              <p:cond delay="0"/>
-                            </p:stCondLst>
-                            <p:childTnLst>
-                              <p:par>
-                                <p:cTn id="5" presetID="1" presetClass="entr" presetSubtype="0" fill="hold" nodeType="clickEffect">
-                                  <p:stCondLst>
-                                    <p:cond delay="0"/>
-                                  </p:stCondLst>
-                                  <p:childTnLst>
-                                    <p:set>
-                                      <p:cBhvr>
-                                        <p:cTn id="6" dur="1" fill="hold">
-                                          <p:stCondLst>
-                                            <p:cond delay="0"/>
-                                          </p:stCondLst>
-                                        </p:cTn>
-                                        <p:tgtEl>
-                                          <p:spTgt spid="3">
-                                            <p:txEl>
-                                              <p:pRg st="0" end="0"/>
-                                            </p:txEl>
-                                          </p:spTgt>
-                                        </p:tgtEl>
-                                        <p:attrNameLst>
-                                          <p:attrName>style.visibility</p:attrName>
-                                        </p:attrNameLst>
-                                      </p:cBhvr>
-                                      <p:to>
-                                        <p:strVal val="visible"/>
-                                      </p:to>
-                                    </p:set>
-                                  </p:childTnLst>
-                                </p:cTn>
-                              </p:par>
-                              <p:par>
-                                <p:cTn id="7" presetID="1" presetClass="entr" presetSubtype="0" fill="hold" nodeType="withEffect">
-                                  <p:stCondLst>
-                                    <p:cond delay="0"/>
-                                  </p:stCondLst>
-                                  <p:childTnLst>
-                                    <p:set>
-                                      <p:cBhvr>
-                                        <p:cTn id="8" dur="1" fill="hold">
-                                          <p:stCondLst>
-                                            <p:cond delay="0"/>
-                                          </p:stCondLst>
-                                        </p:cTn>
-                                        <p:tgtEl>
-                                          <p:spTgt spid="3">
-                                            <p:txEl>
-                                              <p:pRg st="1" end="1"/>
-                                            </p:txEl>
-                                          </p:spTgt>
-                                        </p:tgtEl>
-                                        <p:attrNameLst>
-                                          <p:attrName>style.visibility</p:attrName>
-                                        </p:attrNameLst>
-                                      </p:cBhvr>
-                                      <p:to>
-                                        <p:strVal val="visible"/>
-                                      </p:to>
-                                    </p:set>
-                                  </p:childTnLst>
-                                </p:cTn>
-                              </p:par>
-                              <p:par>
-                                <p:cTn id="9" presetID="1" presetClass="entr" presetSubtype="0" fill="hold" nodeType="withEffect">
-                                  <p:stCondLst>
-                                    <p:cond delay="0"/>
-                                  </p:stCondLst>
-                                  <p:childTnLst>
-                                    <p:set>
-                                      <p:cBhvr>
-                                        <p:cTn id="10" dur="1" fill="hold">
-                                          <p:stCondLst>
-                                            <p:cond delay="0"/>
-                                          </p:stCondLst>
-                                        </p:cTn>
-                                        <p:tgtEl>
-                                          <p:spTgt spid="3">
-                                            <p:txEl>
-                                              <p:pRg st="2" end="2"/>
-                                            </p:txEl>
-                                          </p:spTgt>
-                                        </p:tgtEl>
-                                        <p:attrNameLst>
-                                          <p:attrName>style.visibility</p:attrName>
-                                        </p:attrNameLst>
-                                      </p:cBhvr>
-                                      <p:to>
-                                        <p:strVal val="visible"/>
-                                      </p:to>
-                                    </p:set>
-                                  </p:childTnLst>
-                                </p:cTn>
-                              </p:par>
-                              <p:par>
-                                <p:cTn id="11" presetID="1" presetClass="entr" presetSubtype="0" fill="hold" nodeType="withEffect">
-                                  <p:stCondLst>
-                                    <p:cond delay="0"/>
-                                  </p:stCondLst>
-                                  <p:childTnLst>
-                                    <p:set>
-                                      <p:cBhvr>
-                                        <p:cTn id="12" dur="1" fill="hold">
-                                          <p:stCondLst>
-                                            <p:cond delay="0"/>
-                                          </p:stCondLst>
-                                        </p:cTn>
-                                        <p:tgtEl>
-                                          <p:spTgt spid="3">
-                                            <p:txEl>
-                                              <p:pRg st="3" end="3"/>
-                                            </p:txEl>
-                                          </p:spTgt>
-                                        </p:tgtEl>
-                                        <p:attrNameLst>
-                                          <p:attrName>style.visibility</p:attrName>
-                                        </p:attrNameLst>
-                                      </p:cBhvr>
-                                      <p:to>
-                                        <p:strVal val="visible"/>
-                                      </p:to>
-                                    </p:set>
-                                  </p:childTnLst>
-                                </p:cTn>
-                              </p:par>
-                              <p:par>
-                                <p:cTn id="13" presetID="1" presetClass="entr" presetSubtype="0" fill="hold" nodeType="withEffect">
-                                  <p:stCondLst>
-                                    <p:cond delay="0"/>
-                                  </p:stCondLst>
-                                  <p:childTnLst>
-                                    <p:set>
-                                      <p:cBhvr>
-                                        <p:cTn id="14" dur="1" fill="hold">
-                                          <p:stCondLst>
-                                            <p:cond delay="0"/>
-                                          </p:stCondLst>
-                                        </p:cTn>
-                                        <p:tgtEl>
-                                          <p:spTgt spid="3">
-                                            <p:txEl>
-                                              <p:pRg st="4" end="4"/>
-                                            </p:txEl>
-                                          </p:spTgt>
-                                        </p:tgtEl>
-                                        <p:attrNameLst>
-                                          <p:attrName>style.visibility</p:attrName>
-                                        </p:attrNameLst>
-                                      </p:cBhvr>
-                                      <p:to>
-                                        <p:strVal val="visible"/>
-                                      </p:to>
-                                    </p:set>
-                                  </p:childTnLst>
-                                </p:cTn>
-                              </p:par>
-                            </p:childTnLst>
-                          </p:cTn>
-                        </p:par>
-                      </p:childTnLst>
-                    </p:cTn>
-                  </p:par>
-                  <p:par>
-                    <p:cTn id="15" fill="hold">
-                      <p:stCondLst>
-                        <p:cond delay="indefinite"/>
-                      </p:stCondLst>
-                      <p:childTnLst>
-                        <p:par>
-                          <p:cTn id="16" fill="hold">
-                            <p:stCondLst>
-                              <p:cond delay="0"/>
-                            </p:stCondLst>
-                            <p:childTnLst>
-                              <p:par>
-                                <p:cTn id="17" presetID="1" presetClass="entr" presetSubtype="0" fill="hold" nodeType="clickEffect">
-                                  <p:stCondLst>
-                                    <p:cond delay="0"/>
-                                  </p:stCondLst>
-                                  <p:childTnLst>
-                                    <p:set>
-                                      <p:cBhvr>
-                                        <p:cTn id="18" dur="1" fill="hold">
-                                          <p:stCondLst>
-                                            <p:cond delay="0"/>
-                                          </p:stCondLst>
-                                        </p:cTn>
-                                        <p:tgtEl>
-                                          <p:spTgt spid="3">
-                                            <p:txEl>
-                                              <p:pRg st="6" end="6"/>
-                                            </p:txEl>
-                                          </p:spTgt>
-                                        </p:tgtEl>
-                                        <p:attrNameLst>
-                                          <p:attrName>style.visibility</p:attrName>
-                                        </p:attrNameLst>
-                                      </p:cBhvr>
-                                      <p:to>
-                                        <p:strVal val="visible"/>
-                                      </p:to>
-                                    </p:set>
-                                  </p:childTnLst>
-                                </p:cTn>
-                              </p:par>
-                              <p:par>
-                                <p:cTn id="19" presetID="1" presetClass="entr" presetSubtype="0" fill="hold" nodeType="withEffect">
-                                  <p:stCondLst>
-                                    <p:cond delay="0"/>
-                                  </p:stCondLst>
-                                  <p:childTnLst>
-                                    <p:set>
-                                      <p:cBhvr>
-                                        <p:cTn id="20" dur="1" fill="hold">
-                                          <p:stCondLst>
-                                            <p:cond delay="0"/>
-                                          </p:stCondLst>
-                                        </p:cTn>
-                                        <p:tgtEl>
-                                          <p:spTgt spid="3">
-                                            <p:txEl>
-                                              <p:pRg st="7" end="7"/>
-                                            </p:txEl>
-                                          </p:spTgt>
-                                        </p:tgtEl>
-                                        <p:attrNameLst>
-                                          <p:attrName>style.visibility</p:attrName>
-                                        </p:attrNameLst>
-                                      </p:cBhvr>
-                                      <p:to>
-                                        <p:strVal val="visible"/>
-                                      </p:to>
-                                    </p:set>
-                                  </p:childTnLst>
-                                </p:cTn>
-                              </p:par>
-                            </p:childTnLst>
-                          </p:cTn>
-                        </p:par>
-                      </p:childTnLst>
-                    </p:cTn>
-                  </p:par>
-                  <p:par>
-                    <p:cTn id="21" fill="hold">
-                      <p:stCondLst>
-                        <p:cond delay="indefinite"/>
-                      </p:stCondLst>
-                      <p:childTnLst>
-                        <p:par>
-                          <p:cTn id="22" fill="hold">
-                            <p:stCondLst>
-                              <p:cond delay="0"/>
-                            </p:stCondLst>
-                            <p:childTnLst>
-                              <p:par>
-                                <p:cTn id="23" presetID="1" presetClass="entr" presetSubtype="0" fill="hold" grpId="0" nodeType="clickEffect">
-                                  <p:stCondLst>
-                                    <p:cond delay="0"/>
-                                  </p:stCondLst>
-                                  <p:childTnLst>
-                                    <p:set>
-                                      <p:cBhvr>
-                                        <p:cTn id="24" dur="1" fill="hold">
-                                          <p:stCondLst>
-                                            <p:cond delay="0"/>
-                                          </p:stCondLst>
-                                        </p:cTn>
-                                        <p:tgtEl>
-                                          <p:spTgt spid="6"/>
-                                        </p:tgtEl>
-                                        <p:attrNameLst>
-                                          <p:attrName>style.visibility</p:attrName>
-                                        </p:attrNameLst>
-                                      </p:cBhvr>
-                                      <p:to>
-                                        <p:strVal val="visible"/>
-                                      </p:to>
-                                    </p:set>
-                                  </p:childTnLst>
-                                </p:cTn>
-                              </p:par>
-                              <p:par>
-                                <p:cTn id="25" presetID="1" presetClass="entr" presetSubtype="0" fill="hold" grpId="0" nodeType="withEffect">
-                                  <p:stCondLst>
-                                    <p:cond delay="0"/>
-                                  </p:stCondLst>
-                                  <p:childTnLst>
-                                    <p:set>
-                                      <p:cBhvr>
-                                        <p:cTn id="26" dur="1" fill="hold">
-                                          <p:stCondLst>
-                                            <p:cond delay="0"/>
-                                          </p:stCondLst>
-                                        </p:cTn>
-                                        <p:tgtEl>
-                                          <p:spTgt spid="5"/>
-                                        </p:tgtEl>
-                                        <p:attrNameLst>
-                                          <p:attrName>style.visibility</p:attrName>
-                                        </p:attrNameLst>
-                                      </p:cBhvr>
-                                      <p:to>
-                                        <p:strVal val="visible"/>
-                                      </p:to>
-                                    </p:set>
-                                  </p:childTnLst>
-                                </p:cTn>
-                              </p:par>
-                            </p:childTnLst>
-                          </p:cTn>
-                        </p:par>
-                      </p:childTnLst>
-                    </p:cTn>
-                  </p:par>
-                </p:childTnLst>
-              </p:cTn>
-              <p:prevCondLst>
-                <p:cond evt="onPrev" delay="0">
-                  <p:tgtEl>
-                    <p:sldTgt/>
-                  </p:tgtEl>
-                </p:cond>
-              </p:prevCondLst>
-              <p:nextCondLst>
-                <p:cond evt="onNext" delay="0">
-                  <p:tgtEl>
-                    <p:sldTgt/>
-                  </p:tgtEl>
-                </p:cond>
-              </p:nextCondLst>
-            </p:seq>
-          </p:childTnLst>
-        </p:cTn>
+        <p:cTn id="1" dur="indefinite" restart="never" nodeType="tmRoot"/>
       </p:par>
     </p:tnLst>
-    <p:bldLst>
-      <p:bldP spid="5" grpId="0" animBg="1"/>
-      <p:bldP spid="6" grpId="0"/>
-    </p:bldLst>
   </p:timing>
 </p:sld>
 </file>
@@ -7449,7 +7112,7 @@
           <a:p>
             <a:fld id="{530FF4AC-5550-4AB9-96CA-852EF88A692E}" type="datetime1">
               <a:rPr lang="de-DE" smtClean="0"/>
-              <a:t>27.07.2016</a:t>
+              <a:t>28.07.2016</a:t>
             </a:fld>
             <a:endParaRPr lang="en-US" dirty="0"/>
           </a:p>
@@ -7965,7 +7628,9 @@
         </p:nvSpPr>
         <p:spPr/>
         <p:txBody>
-          <a:bodyPr/>
+          <a:bodyPr>
+            <a:normAutofit lnSpcReduction="10000"/>
+          </a:bodyPr>
           <a:lstStyle/>
           <a:p>
             <a:r>
@@ -7988,11 +7653,26 @@
             </a:r>
             <a:r>
               <a:rPr lang="de-DE" i="1" dirty="0" smtClean="0"/>
-              <a:t> Table </a:t>
+              <a:t> Table</a:t>
             </a:r>
             <a:r>
               <a:rPr lang="de-DE" dirty="0" smtClean="0"/>
-              <a:t>legt fest wie viele unnötige Vergleiche übersprungen werden</a:t>
+              <a:t> </a:t>
+            </a:r>
+            <a:r>
+              <a:rPr lang="de-DE" dirty="0" smtClean="0"/>
+              <a:t>analysiert den Suchbegriff selbst </a:t>
+            </a:r>
+          </a:p>
+          <a:p>
+            <a:pPr lvl="1"/>
+            <a:r>
+              <a:rPr lang="de-DE" dirty="0" smtClean="0"/>
+              <a:t>legt </a:t>
+            </a:r>
+            <a:r>
+              <a:rPr lang="de-DE" dirty="0" smtClean="0"/>
+              <a:t>fest wie viele unnötige Vergleiche übersprungen werden</a:t>
             </a:r>
           </a:p>
           <a:p>
@@ -8005,13 +7685,13 @@
             </a:r>
             <a:r>
               <a:rPr lang="de-DE" dirty="0" smtClean="0"/>
-              <a:t>: </a:t>
+              <a:t>: „ABC“ -&gt; A, AB</a:t>
             </a:r>
           </a:p>
           <a:p>
             <a:r>
               <a:rPr lang="de-DE" dirty="0" smtClean="0"/>
-              <a:t>Suffix:</a:t>
+              <a:t>Suffix: „ABC“ -&gt; C, BC</a:t>
             </a:r>
             <a:endParaRPr lang="de-DE" dirty="0"/>
           </a:p>
@@ -8021,7 +7701,11 @@
           <a:p>
             <a:r>
               <a:rPr lang="de-DE" dirty="0" smtClean="0"/>
-              <a:t>Beispiel:</a:t>
+              <a:t>Beispiel</a:t>
+            </a:r>
+            <a:r>
+              <a:rPr lang="de-DE" dirty="0" smtClean="0"/>
+              <a:t>:</a:t>
             </a:r>
             <a:endParaRPr lang="de-DE" dirty="0"/>
           </a:p>
@@ -8029,14 +7713,23 @@
             <a:pPr lvl="1"/>
             <a:r>
               <a:rPr lang="de-DE" dirty="0"/>
-              <a:t>Gesuchtes Zeichenfolge: ACACAGT</a:t>
-            </a:r>
+              <a:t>Gesuchtes Zeichenfolge: </a:t>
+            </a:r>
+            <a:r>
+              <a:rPr lang="de-DE" dirty="0" smtClean="0"/>
+              <a:t>ABCDABD</a:t>
+            </a:r>
+            <a:endParaRPr lang="de-DE" dirty="0"/>
           </a:p>
           <a:p>
             <a:pPr lvl="1"/>
             <a:r>
               <a:rPr lang="de-DE" dirty="0" smtClean="0"/>
-              <a:t>Text: ACAT ACGACACAGT</a:t>
+              <a:t>Text: </a:t>
+            </a:r>
+            <a:r>
+              <a:rPr lang="de-DE" dirty="0" smtClean="0"/>
+              <a:t>ABC ABCDAB ABCDABCDABDE</a:t>
             </a:r>
             <a:endParaRPr lang="de-DE" i="1" dirty="0"/>
           </a:p>
@@ -8065,7 +7758,7 @@
           <a:p>
             <a:fld id="{419CE78D-6FD4-4B0E-85F5-5FEA71F2658A}" type="datetime1">
               <a:rPr lang="de-DE" smtClean="0"/>
-              <a:t>27.07.2016</a:t>
+              <a:t>28.07.2016</a:t>
             </a:fld>
             <a:endParaRPr lang="en-US" dirty="0"/>
           </a:p>
@@ -8149,7 +7842,7 @@
           <a:p>
             <a:r>
               <a:rPr lang="de-DE" dirty="0"/>
-              <a:t>Das Boyer-Moore Verfahren</a:t>
+              <a:t>Das Knuth-Morris-Pratt Verfahren</a:t>
             </a:r>
           </a:p>
         </p:txBody>
@@ -8166,67 +7859,108 @@
         </p:nvSpPr>
         <p:spPr/>
         <p:txBody>
+          <a:bodyPr>
+            <a:normAutofit/>
+          </a:bodyPr>
+          <a:lstStyle/>
+          <a:p>
+            <a:r>
+              <a:rPr lang="de-DE" dirty="0" err="1" smtClean="0"/>
+              <a:t>Prefix</a:t>
+            </a:r>
+            <a:r>
+              <a:rPr lang="de-DE" dirty="0" smtClean="0"/>
+              <a:t> Table:</a:t>
+            </a:r>
+          </a:p>
+          <a:p>
+            <a:endParaRPr lang="de-DE" u="sng" dirty="0">
+              <a:solidFill>
+                <a:schemeClr val="accent6"/>
+              </a:solidFill>
+            </a:endParaRPr>
+          </a:p>
+          <a:p>
+            <a:endParaRPr lang="de-DE" u="sng" dirty="0" smtClean="0">
+              <a:solidFill>
+                <a:schemeClr val="accent6"/>
+              </a:solidFill>
+            </a:endParaRPr>
+          </a:p>
+          <a:p>
+            <a:endParaRPr lang="de-DE" u="sng" dirty="0">
+              <a:solidFill>
+                <a:schemeClr val="accent6"/>
+              </a:solidFill>
+            </a:endParaRPr>
+          </a:p>
+          <a:p>
+            <a:endParaRPr lang="de-DE" u="sng" dirty="0" smtClean="0">
+              <a:solidFill>
+                <a:schemeClr val="accent6"/>
+              </a:solidFill>
+            </a:endParaRPr>
+          </a:p>
+          <a:p>
+            <a:r>
+              <a:rPr lang="de-DE" i="1" dirty="0"/>
+              <a:t>Komplexität: O(</a:t>
+            </a:r>
+            <a:r>
+              <a:rPr lang="de-DE" i="1" dirty="0" err="1"/>
+              <a:t>n+m</a:t>
+            </a:r>
+            <a:r>
+              <a:rPr lang="de-DE" i="1" dirty="0"/>
+              <a:t>)</a:t>
+            </a:r>
+          </a:p>
+          <a:p>
+            <a:pPr lvl="1"/>
+            <a:r>
+              <a:rPr lang="de-DE" i="1" dirty="0"/>
+              <a:t>n = die </a:t>
+            </a:r>
+            <a:r>
+              <a:rPr lang="de-DE" i="1" dirty="0" err="1" smtClean="0"/>
+              <a:t>Prefix</a:t>
+            </a:r>
+            <a:r>
+              <a:rPr lang="de-DE" i="1" dirty="0" smtClean="0"/>
+              <a:t>-Analyse	</a:t>
+            </a:r>
+            <a:endParaRPr lang="de-DE" i="1" dirty="0"/>
+          </a:p>
+          <a:p>
+            <a:pPr lvl="1"/>
+            <a:r>
+              <a:rPr lang="de-DE" i="1" dirty="0"/>
+              <a:t>m = die eigentliche Suche.</a:t>
+            </a:r>
+          </a:p>
+          <a:p>
+            <a:endParaRPr lang="de-DE" i="1" dirty="0" smtClean="0"/>
+          </a:p>
+        </p:txBody>
+      </p:sp>
+      <p:sp>
+        <p:nvSpPr>
+          <p:cNvPr id="4" name="Datumsplatzhalter 3"/>
+          <p:cNvSpPr>
+            <a:spLocks noGrp="1"/>
+          </p:cNvSpPr>
+          <p:nvPr>
+            <p:ph type="dt" sz="half" idx="10"/>
+          </p:nvPr>
+        </p:nvSpPr>
+        <p:spPr/>
+        <p:txBody>
           <a:bodyPr/>
           <a:lstStyle/>
           <a:p>
-            <a:r>
-              <a:rPr lang="de-DE" dirty="0" smtClean="0"/>
-              <a:t>Basiert auf zuvor generierten </a:t>
-            </a:r>
-            <a:r>
-              <a:rPr lang="de-DE" i="1" dirty="0" err="1" smtClean="0"/>
-              <a:t>Badmatch</a:t>
-            </a:r>
-            <a:r>
-              <a:rPr lang="de-DE" i="1" dirty="0" smtClean="0"/>
-              <a:t> Table</a:t>
-            </a:r>
-          </a:p>
-          <a:p>
-            <a:endParaRPr lang="de-DE" i="1" dirty="0"/>
-          </a:p>
-          <a:p>
-            <a:r>
-              <a:rPr lang="de-DE" i="1" dirty="0" smtClean="0"/>
-              <a:t>Beispiel:</a:t>
-            </a:r>
-          </a:p>
-          <a:p>
-            <a:pPr lvl="1"/>
-            <a:r>
-              <a:rPr lang="de-DE" i="1" dirty="0" err="1" smtClean="0"/>
-              <a:t>Bla</a:t>
-            </a:r>
-            <a:endParaRPr lang="de-DE" i="1" dirty="0" smtClean="0"/>
-          </a:p>
-          <a:p>
-            <a:pPr lvl="1"/>
-            <a:r>
-              <a:rPr lang="de-DE" i="1" dirty="0" err="1" smtClean="0"/>
-              <a:t>bla</a:t>
-            </a:r>
-            <a:endParaRPr lang="de-DE" i="1" dirty="0" smtClean="0"/>
-          </a:p>
-        </p:txBody>
-      </p:sp>
-      <p:sp>
-        <p:nvSpPr>
-          <p:cNvPr id="4" name="Datumsplatzhalter 3"/>
-          <p:cNvSpPr>
-            <a:spLocks noGrp="1"/>
-          </p:cNvSpPr>
-          <p:nvPr>
-            <p:ph type="dt" sz="half" idx="10"/>
-          </p:nvPr>
-        </p:nvSpPr>
-        <p:spPr/>
-        <p:txBody>
-          <a:bodyPr/>
-          <a:lstStyle/>
-          <a:p>
             <a:fld id="{419CE78D-6FD4-4B0E-85F5-5FEA71F2658A}" type="datetime1">
               <a:rPr lang="de-DE" smtClean="0"/>
-              <a:t>27.07.2016</a:t>
+              <a:t>28.07.2016</a:t>
             </a:fld>
             <a:endParaRPr lang="en-US" dirty="0"/>
           </a:p>
@@ -8256,10 +7990,753 @@
           </a:p>
         </p:txBody>
       </p:sp>
+      <p:graphicFrame>
+        <p:nvGraphicFramePr>
+          <p:cNvPr id="6" name="Tabelle 5"/>
+          <p:cNvGraphicFramePr>
+            <a:graphicFrameLocks noGrp="1"/>
+          </p:cNvGraphicFramePr>
+          <p:nvPr>
+            <p:extLst>
+              <p:ext uri="{D42A27DB-BD31-4B8C-83A1-F6EECF244321}">
+                <p14:modId xmlns:p14="http://schemas.microsoft.com/office/powerpoint/2010/main" val="1216048567"/>
+              </p:ext>
+            </p:extLst>
+          </p:nvPr>
+        </p:nvGraphicFramePr>
+        <p:xfrm>
+          <a:off x="1146003" y="2699045"/>
+          <a:ext cx="8127999" cy="1137920"/>
+        </p:xfrm>
+        <a:graphic>
+          <a:graphicData uri="http://schemas.openxmlformats.org/drawingml/2006/table">
+            <a:tbl>
+              <a:tblPr firstRow="1" bandRow="1">
+                <a:tableStyleId>{5C22544A-7EE6-4342-B048-85BDC9FD1C3A}</a:tableStyleId>
+              </a:tblPr>
+              <a:tblGrid>
+                <a:gridCol w="903111"/>
+                <a:gridCol w="903111"/>
+                <a:gridCol w="903111"/>
+                <a:gridCol w="903111"/>
+                <a:gridCol w="903111"/>
+                <a:gridCol w="903111"/>
+                <a:gridCol w="903111"/>
+                <a:gridCol w="903111"/>
+                <a:gridCol w="903111"/>
+              </a:tblGrid>
+              <a:tr h="370840">
+                <a:tc>
+                  <a:txBody>
+                    <a:bodyPr/>
+                    <a:lstStyle/>
+                    <a:p>
+                      <a:pPr algn="ctr"/>
+                      <a:endParaRPr lang="de-DE" dirty="0">
+                        <a:solidFill>
+                          <a:schemeClr val="tx1">
+                            <a:lumMod val="75000"/>
+                            <a:lumOff val="25000"/>
+                          </a:schemeClr>
+                        </a:solidFill>
+                      </a:endParaRPr>
+                    </a:p>
+                  </a:txBody>
+                  <a:tcPr>
+                    <a:solidFill>
+                      <a:schemeClr val="accent1">
+                        <a:lumMod val="20000"/>
+                        <a:lumOff val="80000"/>
+                      </a:schemeClr>
+                    </a:solidFill>
+                  </a:tcPr>
+                </a:tc>
+                <a:tc>
+                  <a:txBody>
+                    <a:bodyPr/>
+                    <a:lstStyle/>
+                    <a:p>
+                      <a:pPr algn="ctr"/>
+                      <a:r>
+                        <a:rPr lang="de-DE" sz="2000" dirty="0" smtClean="0">
+                          <a:solidFill>
+                            <a:schemeClr val="tx1">
+                              <a:lumMod val="75000"/>
+                              <a:lumOff val="25000"/>
+                            </a:schemeClr>
+                          </a:solidFill>
+                        </a:rPr>
+                        <a:t>0</a:t>
+                      </a:r>
+                      <a:endParaRPr lang="de-DE" sz="2000" dirty="0">
+                        <a:solidFill>
+                          <a:schemeClr val="tx1">
+                            <a:lumMod val="75000"/>
+                            <a:lumOff val="25000"/>
+                          </a:schemeClr>
+                        </a:solidFill>
+                      </a:endParaRPr>
+                    </a:p>
+                  </a:txBody>
+                  <a:tcPr>
+                    <a:solidFill>
+                      <a:schemeClr val="accent1">
+                        <a:lumMod val="20000"/>
+                        <a:lumOff val="80000"/>
+                      </a:schemeClr>
+                    </a:solidFill>
+                  </a:tcPr>
+                </a:tc>
+                <a:tc>
+                  <a:txBody>
+                    <a:bodyPr/>
+                    <a:lstStyle/>
+                    <a:p>
+                      <a:pPr algn="ctr"/>
+                      <a:r>
+                        <a:rPr lang="de-DE" sz="2000" dirty="0" smtClean="0">
+                          <a:solidFill>
+                            <a:schemeClr val="tx1">
+                              <a:lumMod val="75000"/>
+                              <a:lumOff val="25000"/>
+                            </a:schemeClr>
+                          </a:solidFill>
+                        </a:rPr>
+                        <a:t>1</a:t>
+                      </a:r>
+                      <a:endParaRPr lang="de-DE" sz="2000" dirty="0">
+                        <a:solidFill>
+                          <a:schemeClr val="tx1">
+                            <a:lumMod val="75000"/>
+                            <a:lumOff val="25000"/>
+                          </a:schemeClr>
+                        </a:solidFill>
+                      </a:endParaRPr>
+                    </a:p>
+                  </a:txBody>
+                  <a:tcPr>
+                    <a:solidFill>
+                      <a:schemeClr val="accent1">
+                        <a:lumMod val="20000"/>
+                        <a:lumOff val="80000"/>
+                      </a:schemeClr>
+                    </a:solidFill>
+                  </a:tcPr>
+                </a:tc>
+                <a:tc>
+                  <a:txBody>
+                    <a:bodyPr/>
+                    <a:lstStyle/>
+                    <a:p>
+                      <a:pPr algn="ctr"/>
+                      <a:r>
+                        <a:rPr lang="de-DE" sz="2000" dirty="0" smtClean="0">
+                          <a:solidFill>
+                            <a:schemeClr val="tx1">
+                              <a:lumMod val="75000"/>
+                              <a:lumOff val="25000"/>
+                            </a:schemeClr>
+                          </a:solidFill>
+                        </a:rPr>
+                        <a:t>2</a:t>
+                      </a:r>
+                      <a:endParaRPr lang="de-DE" sz="2000" dirty="0">
+                        <a:solidFill>
+                          <a:schemeClr val="tx1">
+                            <a:lumMod val="75000"/>
+                            <a:lumOff val="25000"/>
+                          </a:schemeClr>
+                        </a:solidFill>
+                      </a:endParaRPr>
+                    </a:p>
+                  </a:txBody>
+                  <a:tcPr>
+                    <a:solidFill>
+                      <a:schemeClr val="accent1">
+                        <a:lumMod val="20000"/>
+                        <a:lumOff val="80000"/>
+                      </a:schemeClr>
+                    </a:solidFill>
+                  </a:tcPr>
+                </a:tc>
+                <a:tc>
+                  <a:txBody>
+                    <a:bodyPr/>
+                    <a:lstStyle/>
+                    <a:p>
+                      <a:pPr algn="ctr"/>
+                      <a:r>
+                        <a:rPr lang="de-DE" sz="2000" dirty="0" smtClean="0">
+                          <a:solidFill>
+                            <a:schemeClr val="tx1">
+                              <a:lumMod val="75000"/>
+                              <a:lumOff val="25000"/>
+                            </a:schemeClr>
+                          </a:solidFill>
+                        </a:rPr>
+                        <a:t>3</a:t>
+                      </a:r>
+                      <a:endParaRPr lang="de-DE" sz="2000" dirty="0">
+                        <a:solidFill>
+                          <a:schemeClr val="tx1">
+                            <a:lumMod val="75000"/>
+                            <a:lumOff val="25000"/>
+                          </a:schemeClr>
+                        </a:solidFill>
+                      </a:endParaRPr>
+                    </a:p>
+                  </a:txBody>
+                  <a:tcPr>
+                    <a:solidFill>
+                      <a:schemeClr val="accent1">
+                        <a:lumMod val="20000"/>
+                        <a:lumOff val="80000"/>
+                      </a:schemeClr>
+                    </a:solidFill>
+                  </a:tcPr>
+                </a:tc>
+                <a:tc>
+                  <a:txBody>
+                    <a:bodyPr/>
+                    <a:lstStyle/>
+                    <a:p>
+                      <a:pPr algn="ctr"/>
+                      <a:r>
+                        <a:rPr lang="de-DE" sz="2000" dirty="0" smtClean="0">
+                          <a:solidFill>
+                            <a:schemeClr val="tx1">
+                              <a:lumMod val="75000"/>
+                              <a:lumOff val="25000"/>
+                            </a:schemeClr>
+                          </a:solidFill>
+                        </a:rPr>
+                        <a:t>4</a:t>
+                      </a:r>
+                      <a:endParaRPr lang="de-DE" sz="2000" dirty="0">
+                        <a:solidFill>
+                          <a:schemeClr val="tx1">
+                            <a:lumMod val="75000"/>
+                            <a:lumOff val="25000"/>
+                          </a:schemeClr>
+                        </a:solidFill>
+                      </a:endParaRPr>
+                    </a:p>
+                  </a:txBody>
+                  <a:tcPr>
+                    <a:solidFill>
+                      <a:schemeClr val="accent1">
+                        <a:lumMod val="20000"/>
+                        <a:lumOff val="80000"/>
+                      </a:schemeClr>
+                    </a:solidFill>
+                  </a:tcPr>
+                </a:tc>
+                <a:tc>
+                  <a:txBody>
+                    <a:bodyPr/>
+                    <a:lstStyle/>
+                    <a:p>
+                      <a:pPr algn="ctr"/>
+                      <a:r>
+                        <a:rPr lang="de-DE" sz="2000" dirty="0" smtClean="0">
+                          <a:solidFill>
+                            <a:schemeClr val="tx1">
+                              <a:lumMod val="75000"/>
+                              <a:lumOff val="25000"/>
+                            </a:schemeClr>
+                          </a:solidFill>
+                        </a:rPr>
+                        <a:t>5</a:t>
+                      </a:r>
+                      <a:endParaRPr lang="de-DE" sz="2000" dirty="0">
+                        <a:solidFill>
+                          <a:schemeClr val="tx1">
+                            <a:lumMod val="75000"/>
+                            <a:lumOff val="25000"/>
+                          </a:schemeClr>
+                        </a:solidFill>
+                      </a:endParaRPr>
+                    </a:p>
+                  </a:txBody>
+                  <a:tcPr>
+                    <a:solidFill>
+                      <a:schemeClr val="accent1">
+                        <a:lumMod val="20000"/>
+                        <a:lumOff val="80000"/>
+                      </a:schemeClr>
+                    </a:solidFill>
+                  </a:tcPr>
+                </a:tc>
+                <a:tc>
+                  <a:txBody>
+                    <a:bodyPr/>
+                    <a:lstStyle/>
+                    <a:p>
+                      <a:pPr algn="ctr"/>
+                      <a:r>
+                        <a:rPr lang="de-DE" sz="2000" dirty="0" smtClean="0">
+                          <a:solidFill>
+                            <a:schemeClr val="tx1">
+                              <a:lumMod val="75000"/>
+                              <a:lumOff val="25000"/>
+                            </a:schemeClr>
+                          </a:solidFill>
+                        </a:rPr>
+                        <a:t>6</a:t>
+                      </a:r>
+                      <a:endParaRPr lang="de-DE" sz="2000" dirty="0">
+                        <a:solidFill>
+                          <a:schemeClr val="tx1">
+                            <a:lumMod val="75000"/>
+                            <a:lumOff val="25000"/>
+                          </a:schemeClr>
+                        </a:solidFill>
+                      </a:endParaRPr>
+                    </a:p>
+                  </a:txBody>
+                  <a:tcPr>
+                    <a:solidFill>
+                      <a:schemeClr val="accent1">
+                        <a:lumMod val="20000"/>
+                        <a:lumOff val="80000"/>
+                      </a:schemeClr>
+                    </a:solidFill>
+                  </a:tcPr>
+                </a:tc>
+                <a:tc>
+                  <a:txBody>
+                    <a:bodyPr/>
+                    <a:lstStyle/>
+                    <a:p>
+                      <a:pPr algn="ctr"/>
+                      <a:r>
+                        <a:rPr lang="de-DE" sz="2000" dirty="0" smtClean="0">
+                          <a:solidFill>
+                            <a:schemeClr val="tx1">
+                              <a:lumMod val="75000"/>
+                              <a:lumOff val="25000"/>
+                            </a:schemeClr>
+                          </a:solidFill>
+                        </a:rPr>
+                        <a:t>7</a:t>
+                      </a:r>
+                      <a:endParaRPr lang="de-DE" sz="2000" dirty="0">
+                        <a:solidFill>
+                          <a:schemeClr val="tx1">
+                            <a:lumMod val="75000"/>
+                            <a:lumOff val="25000"/>
+                          </a:schemeClr>
+                        </a:solidFill>
+                      </a:endParaRPr>
+                    </a:p>
+                  </a:txBody>
+                  <a:tcPr>
+                    <a:solidFill>
+                      <a:schemeClr val="accent1">
+                        <a:lumMod val="20000"/>
+                        <a:lumOff val="80000"/>
+                      </a:schemeClr>
+                    </a:solidFill>
+                  </a:tcPr>
+                </a:tc>
+              </a:tr>
+              <a:tr h="370840">
+                <a:tc>
+                  <a:txBody>
+                    <a:bodyPr/>
+                    <a:lstStyle/>
+                    <a:p>
+                      <a:pPr algn="ctr"/>
+                      <a:r>
+                        <a:rPr lang="el-GR" sz="1800" b="0" i="1" kern="1200" dirty="0" smtClean="0">
+                          <a:solidFill>
+                            <a:schemeClr val="tx1">
+                              <a:lumMod val="75000"/>
+                              <a:lumOff val="25000"/>
+                            </a:schemeClr>
+                          </a:solidFill>
+                          <a:effectLst/>
+                          <a:latin typeface="+mn-lt"/>
+                          <a:ea typeface="+mn-ea"/>
+                          <a:cs typeface="+mn-cs"/>
+                        </a:rPr>
+                        <a:t>ε </a:t>
+                      </a:r>
+                      <a:endParaRPr lang="de-DE" b="0" i="1" dirty="0">
+                        <a:solidFill>
+                          <a:schemeClr val="tx1">
+                            <a:lumMod val="75000"/>
+                            <a:lumOff val="25000"/>
+                          </a:schemeClr>
+                        </a:solidFill>
+                      </a:endParaRPr>
+                    </a:p>
+                  </a:txBody>
+                  <a:tcPr/>
+                </a:tc>
+                <a:tc>
+                  <a:txBody>
+                    <a:bodyPr/>
+                    <a:lstStyle/>
+                    <a:p>
+                      <a:pPr algn="ctr"/>
+                      <a:r>
+                        <a:rPr lang="de-DE" b="0" i="1" dirty="0" smtClean="0">
+                          <a:solidFill>
+                            <a:schemeClr val="tx1">
+                              <a:lumMod val="75000"/>
+                              <a:lumOff val="25000"/>
+                            </a:schemeClr>
+                          </a:solidFill>
+                        </a:rPr>
+                        <a:t>A</a:t>
+                      </a:r>
+                      <a:endParaRPr lang="de-DE" b="0" i="1" dirty="0">
+                        <a:solidFill>
+                          <a:schemeClr val="tx1">
+                            <a:lumMod val="75000"/>
+                            <a:lumOff val="25000"/>
+                          </a:schemeClr>
+                        </a:solidFill>
+                      </a:endParaRPr>
+                    </a:p>
+                  </a:txBody>
+                  <a:tcPr/>
+                </a:tc>
+                <a:tc>
+                  <a:txBody>
+                    <a:bodyPr/>
+                    <a:lstStyle/>
+                    <a:p>
+                      <a:pPr algn="ctr"/>
+                      <a:r>
+                        <a:rPr lang="de-DE" b="0" i="1" dirty="0" smtClean="0">
+                          <a:solidFill>
+                            <a:schemeClr val="tx1">
+                              <a:lumMod val="75000"/>
+                              <a:lumOff val="25000"/>
+                            </a:schemeClr>
+                          </a:solidFill>
+                        </a:rPr>
+                        <a:t>B</a:t>
+                      </a:r>
+                      <a:endParaRPr lang="de-DE" b="0" i="1" dirty="0">
+                        <a:solidFill>
+                          <a:schemeClr val="tx1">
+                            <a:lumMod val="75000"/>
+                            <a:lumOff val="25000"/>
+                          </a:schemeClr>
+                        </a:solidFill>
+                      </a:endParaRPr>
+                    </a:p>
+                  </a:txBody>
+                  <a:tcPr/>
+                </a:tc>
+                <a:tc>
+                  <a:txBody>
+                    <a:bodyPr/>
+                    <a:lstStyle/>
+                    <a:p>
+                      <a:pPr algn="ctr"/>
+                      <a:r>
+                        <a:rPr lang="de-DE" b="0" i="1" dirty="0" smtClean="0">
+                          <a:solidFill>
+                            <a:schemeClr val="tx1">
+                              <a:lumMod val="75000"/>
+                              <a:lumOff val="25000"/>
+                            </a:schemeClr>
+                          </a:solidFill>
+                        </a:rPr>
+                        <a:t>C</a:t>
+                      </a:r>
+                      <a:endParaRPr lang="de-DE" b="0" i="1" dirty="0">
+                        <a:solidFill>
+                          <a:schemeClr val="tx1">
+                            <a:lumMod val="75000"/>
+                            <a:lumOff val="25000"/>
+                          </a:schemeClr>
+                        </a:solidFill>
+                      </a:endParaRPr>
+                    </a:p>
+                  </a:txBody>
+                  <a:tcPr/>
+                </a:tc>
+                <a:tc>
+                  <a:txBody>
+                    <a:bodyPr/>
+                    <a:lstStyle/>
+                    <a:p>
+                      <a:pPr algn="ctr"/>
+                      <a:r>
+                        <a:rPr lang="de-DE" b="0" i="1" dirty="0" smtClean="0">
+                          <a:solidFill>
+                            <a:schemeClr val="tx1">
+                              <a:lumMod val="75000"/>
+                              <a:lumOff val="25000"/>
+                            </a:schemeClr>
+                          </a:solidFill>
+                        </a:rPr>
+                        <a:t>D</a:t>
+                      </a:r>
+                      <a:endParaRPr lang="de-DE" b="0" i="1" dirty="0">
+                        <a:solidFill>
+                          <a:schemeClr val="tx1">
+                            <a:lumMod val="75000"/>
+                            <a:lumOff val="25000"/>
+                          </a:schemeClr>
+                        </a:solidFill>
+                      </a:endParaRPr>
+                    </a:p>
+                  </a:txBody>
+                  <a:tcPr/>
+                </a:tc>
+                <a:tc>
+                  <a:txBody>
+                    <a:bodyPr/>
+                    <a:lstStyle/>
+                    <a:p>
+                      <a:pPr algn="ctr"/>
+                      <a:r>
+                        <a:rPr lang="de-DE" b="0" i="1" dirty="0" smtClean="0">
+                          <a:solidFill>
+                            <a:schemeClr val="tx1">
+                              <a:lumMod val="75000"/>
+                              <a:lumOff val="25000"/>
+                            </a:schemeClr>
+                          </a:solidFill>
+                        </a:rPr>
+                        <a:t>A</a:t>
+                      </a:r>
+                      <a:endParaRPr lang="de-DE" b="0" i="1" dirty="0">
+                        <a:solidFill>
+                          <a:schemeClr val="tx1">
+                            <a:lumMod val="75000"/>
+                            <a:lumOff val="25000"/>
+                          </a:schemeClr>
+                        </a:solidFill>
+                      </a:endParaRPr>
+                    </a:p>
+                  </a:txBody>
+                  <a:tcPr/>
+                </a:tc>
+                <a:tc>
+                  <a:txBody>
+                    <a:bodyPr/>
+                    <a:lstStyle/>
+                    <a:p>
+                      <a:pPr algn="ctr"/>
+                      <a:r>
+                        <a:rPr lang="de-DE" b="0" i="1" dirty="0" smtClean="0">
+                          <a:solidFill>
+                            <a:schemeClr val="tx1">
+                              <a:lumMod val="75000"/>
+                              <a:lumOff val="25000"/>
+                            </a:schemeClr>
+                          </a:solidFill>
+                        </a:rPr>
+                        <a:t>B</a:t>
+                      </a:r>
+                      <a:endParaRPr lang="de-DE" b="0" i="1" dirty="0">
+                        <a:solidFill>
+                          <a:schemeClr val="tx1">
+                            <a:lumMod val="75000"/>
+                            <a:lumOff val="25000"/>
+                          </a:schemeClr>
+                        </a:solidFill>
+                      </a:endParaRPr>
+                    </a:p>
+                  </a:txBody>
+                  <a:tcPr/>
+                </a:tc>
+                <a:tc>
+                  <a:txBody>
+                    <a:bodyPr/>
+                    <a:lstStyle/>
+                    <a:p>
+                      <a:pPr algn="ctr"/>
+                      <a:r>
+                        <a:rPr lang="de-DE" b="0" i="1" dirty="0" smtClean="0">
+                          <a:solidFill>
+                            <a:schemeClr val="tx1">
+                              <a:lumMod val="75000"/>
+                              <a:lumOff val="25000"/>
+                            </a:schemeClr>
+                          </a:solidFill>
+                        </a:rPr>
+                        <a:t>D</a:t>
+                      </a:r>
+                      <a:endParaRPr lang="de-DE" b="0" i="1" dirty="0">
+                        <a:solidFill>
+                          <a:schemeClr val="tx1">
+                            <a:lumMod val="75000"/>
+                            <a:lumOff val="25000"/>
+                          </a:schemeClr>
+                        </a:solidFill>
+                      </a:endParaRPr>
+                    </a:p>
+                  </a:txBody>
+                  <a:tcPr/>
+                </a:tc>
+                <a:tc>
+                  <a:txBody>
+                    <a:bodyPr/>
+                    <a:lstStyle/>
+                    <a:p>
+                      <a:pPr algn="ctr"/>
+                      <a:endParaRPr lang="de-DE" b="0" i="1" dirty="0">
+                        <a:solidFill>
+                          <a:schemeClr val="tx1">
+                            <a:lumMod val="75000"/>
+                            <a:lumOff val="25000"/>
+                          </a:schemeClr>
+                        </a:solidFill>
+                      </a:endParaRPr>
+                    </a:p>
+                  </a:txBody>
+                  <a:tcPr/>
+                </a:tc>
+              </a:tr>
+              <a:tr h="370840">
+                <a:tc>
+                  <a:txBody>
+                    <a:bodyPr/>
+                    <a:lstStyle/>
+                    <a:p>
+                      <a:pPr algn="ctr"/>
+                      <a:endParaRPr lang="de-DE" b="0" i="1" dirty="0">
+                        <a:solidFill>
+                          <a:schemeClr val="tx1">
+                            <a:lumMod val="75000"/>
+                            <a:lumOff val="25000"/>
+                          </a:schemeClr>
+                        </a:solidFill>
+                      </a:endParaRPr>
+                    </a:p>
+                  </a:txBody>
+                  <a:tcPr/>
+                </a:tc>
+                <a:tc>
+                  <a:txBody>
+                    <a:bodyPr/>
+                    <a:lstStyle/>
+                    <a:p>
+                      <a:pPr algn="ctr"/>
+                      <a:r>
+                        <a:rPr lang="de-DE" b="0" i="1" dirty="0" smtClean="0">
+                          <a:solidFill>
+                            <a:schemeClr val="tx1">
+                              <a:lumMod val="75000"/>
+                              <a:lumOff val="25000"/>
+                            </a:schemeClr>
+                          </a:solidFill>
+                        </a:rPr>
+                        <a:t>-1</a:t>
+                      </a:r>
+                      <a:endParaRPr lang="de-DE" b="0" i="1" dirty="0">
+                        <a:solidFill>
+                          <a:schemeClr val="tx1">
+                            <a:lumMod val="75000"/>
+                            <a:lumOff val="25000"/>
+                          </a:schemeClr>
+                        </a:solidFill>
+                      </a:endParaRPr>
+                    </a:p>
+                  </a:txBody>
+                  <a:tcPr/>
+                </a:tc>
+                <a:tc>
+                  <a:txBody>
+                    <a:bodyPr/>
+                    <a:lstStyle/>
+                    <a:p>
+                      <a:pPr algn="ctr"/>
+                      <a:endParaRPr lang="de-DE" b="0" i="1" dirty="0">
+                        <a:solidFill>
+                          <a:schemeClr val="tx1">
+                            <a:lumMod val="75000"/>
+                            <a:lumOff val="25000"/>
+                          </a:schemeClr>
+                        </a:solidFill>
+                      </a:endParaRPr>
+                    </a:p>
+                  </a:txBody>
+                  <a:tcPr/>
+                </a:tc>
+                <a:tc>
+                  <a:txBody>
+                    <a:bodyPr/>
+                    <a:lstStyle/>
+                    <a:p>
+                      <a:pPr algn="ctr"/>
+                      <a:endParaRPr lang="de-DE" i="1" dirty="0"/>
+                    </a:p>
+                  </a:txBody>
+                  <a:tcPr/>
+                </a:tc>
+                <a:tc>
+                  <a:txBody>
+                    <a:bodyPr/>
+                    <a:lstStyle/>
+                    <a:p>
+                      <a:pPr algn="ctr"/>
+                      <a:endParaRPr lang="de-DE" i="1" dirty="0"/>
+                    </a:p>
+                  </a:txBody>
+                  <a:tcPr/>
+                </a:tc>
+                <a:tc>
+                  <a:txBody>
+                    <a:bodyPr/>
+                    <a:lstStyle/>
+                    <a:p>
+                      <a:pPr algn="ctr"/>
+                      <a:endParaRPr lang="de-DE" i="1" dirty="0"/>
+                    </a:p>
+                  </a:txBody>
+                  <a:tcPr/>
+                </a:tc>
+                <a:tc>
+                  <a:txBody>
+                    <a:bodyPr/>
+                    <a:lstStyle/>
+                    <a:p>
+                      <a:pPr algn="ctr"/>
+                      <a:endParaRPr lang="de-DE" i="1" dirty="0"/>
+                    </a:p>
+                  </a:txBody>
+                  <a:tcPr/>
+                </a:tc>
+                <a:tc>
+                  <a:txBody>
+                    <a:bodyPr/>
+                    <a:lstStyle/>
+                    <a:p>
+                      <a:pPr algn="ctr"/>
+                      <a:endParaRPr lang="de-DE" i="1" dirty="0"/>
+                    </a:p>
+                  </a:txBody>
+                  <a:tcPr/>
+                </a:tc>
+                <a:tc>
+                  <a:txBody>
+                    <a:bodyPr/>
+                    <a:lstStyle/>
+                    <a:p>
+                      <a:pPr algn="ctr"/>
+                      <a:endParaRPr lang="de-DE" i="1" dirty="0"/>
+                    </a:p>
+                  </a:txBody>
+                  <a:tcPr/>
+                </a:tc>
+              </a:tr>
+            </a:tbl>
+          </a:graphicData>
+        </a:graphic>
+      </p:graphicFrame>
     </p:spTree>
     <p:extLst>
       <p:ext uri="{BB962C8B-B14F-4D97-AF65-F5344CB8AC3E}">
-        <p14:creationId xmlns:p14="http://schemas.microsoft.com/office/powerpoint/2010/main" val="2983346641"/>
+        <p14:creationId xmlns:p14="http://schemas.microsoft.com/office/powerpoint/2010/main" val="3034210060"/>
       </p:ext>
     </p:extLst>
   </p:cSld>
@@ -8309,21 +8786,100 @@
           <a:lstStyle/>
           <a:p>
             <a:r>
+              <a:rPr lang="de-DE" dirty="0"/>
+              <a:t>Das Boyer-Moore Verfahren</a:t>
+            </a:r>
+          </a:p>
+        </p:txBody>
+      </p:sp>
+      <p:sp>
+        <p:nvSpPr>
+          <p:cNvPr id="3" name="Inhaltsplatzhalter 2"/>
+          <p:cNvSpPr>
+            <a:spLocks noGrp="1"/>
+          </p:cNvSpPr>
+          <p:nvPr>
+            <p:ph idx="1"/>
+          </p:nvPr>
+        </p:nvSpPr>
+        <p:spPr/>
+        <p:txBody>
+          <a:bodyPr/>
+          <a:lstStyle/>
+          <a:p>
+            <a:r>
               <a:rPr lang="de-DE" dirty="0" smtClean="0"/>
-              <a:t>Ausblick</a:t>
-            </a:r>
+              <a:t>Basiert auf zuvor generierten </a:t>
+            </a:r>
+            <a:r>
+              <a:rPr lang="de-DE" i="1" dirty="0" smtClean="0"/>
+              <a:t>Bad-match Table</a:t>
+            </a:r>
+            <a:endParaRPr lang="de-DE" i="1" dirty="0" smtClean="0"/>
+          </a:p>
+          <a:p>
+            <a:r>
+              <a:rPr lang="de-DE" dirty="0" smtClean="0"/>
+              <a:t>String werden von rechts nach links verglichen</a:t>
+            </a:r>
+          </a:p>
+          <a:p>
             <a:endParaRPr lang="de-DE" dirty="0"/>
           </a:p>
-        </p:txBody>
-      </p:sp>
-      <p:sp>
-        <p:nvSpPr>
-          <p:cNvPr id="3" name="Inhaltsplatzhalter 2"/>
-          <p:cNvSpPr>
-            <a:spLocks noGrp="1"/>
-          </p:cNvSpPr>
-          <p:nvPr>
-            <p:ph idx="1"/>
+          <a:p>
+            <a:r>
+              <a:rPr lang="de-DE" dirty="0" smtClean="0"/>
+              <a:t>Beispiel:</a:t>
+            </a:r>
+          </a:p>
+          <a:p>
+            <a:pPr lvl="1"/>
+            <a:r>
+              <a:rPr lang="de-DE" dirty="0" smtClean="0"/>
+              <a:t>Text: orange </a:t>
+            </a:r>
+            <a:r>
+              <a:rPr lang="de-DE" dirty="0" err="1" smtClean="0"/>
+              <a:t>ananas</a:t>
+            </a:r>
+            <a:r>
+              <a:rPr lang="de-DE" dirty="0" smtClean="0"/>
+              <a:t> </a:t>
+            </a:r>
+            <a:r>
+              <a:rPr lang="de-DE" dirty="0" err="1" smtClean="0"/>
+              <a:t>banana</a:t>
+            </a:r>
+            <a:endParaRPr lang="de-DE" dirty="0" smtClean="0"/>
+          </a:p>
+          <a:p>
+            <a:pPr lvl="1"/>
+            <a:r>
+              <a:rPr lang="de-DE" dirty="0" smtClean="0"/>
+              <a:t>Pattern: </a:t>
+            </a:r>
+            <a:r>
+              <a:rPr lang="de-DE" dirty="0" err="1" smtClean="0"/>
+              <a:t>banana</a:t>
+            </a:r>
+            <a:endParaRPr lang="de-DE" dirty="0" smtClean="0"/>
+          </a:p>
+          <a:p>
+            <a:pPr marL="0" indent="0">
+              <a:buNone/>
+            </a:pPr>
+            <a:endParaRPr lang="de-DE" dirty="0"/>
+          </a:p>
+        </p:txBody>
+      </p:sp>
+      <p:sp>
+        <p:nvSpPr>
+          <p:cNvPr id="4" name="Datumsplatzhalter 3"/>
+          <p:cNvSpPr>
+            <a:spLocks noGrp="1"/>
+          </p:cNvSpPr>
+          <p:nvPr>
+            <p:ph type="dt" sz="half" idx="10"/>
           </p:nvPr>
         </p:nvSpPr>
         <p:spPr/>
@@ -8331,38 +8887,9 @@
           <a:bodyPr/>
           <a:lstStyle/>
           <a:p>
-            <a:r>
-              <a:rPr lang="de-DE" dirty="0" smtClean="0"/>
-              <a:t>Implementierung der 3 Verfahren</a:t>
-            </a:r>
-          </a:p>
-          <a:p>
-            <a:r>
-              <a:rPr lang="de-DE" dirty="0" smtClean="0"/>
-              <a:t>Vergleich der 3 Verfahren</a:t>
-            </a:r>
-            <a:endParaRPr lang="de-DE" dirty="0"/>
-          </a:p>
-        </p:txBody>
-      </p:sp>
-      <p:sp>
-        <p:nvSpPr>
-          <p:cNvPr id="4" name="Datumsplatzhalter 3"/>
-          <p:cNvSpPr>
-            <a:spLocks noGrp="1"/>
-          </p:cNvSpPr>
-          <p:nvPr>
-            <p:ph type="dt" sz="half" idx="10"/>
-          </p:nvPr>
-        </p:nvSpPr>
-        <p:spPr/>
-        <p:txBody>
-          <a:bodyPr/>
-          <a:lstStyle/>
-          <a:p>
             <a:fld id="{419CE78D-6FD4-4B0E-85F5-5FEA71F2658A}" type="datetime1">
               <a:rPr lang="de-DE" smtClean="0"/>
-              <a:t>27.07.2016</a:t>
+              <a:t>28.07.2016</a:t>
             </a:fld>
             <a:endParaRPr lang="en-US" dirty="0"/>
           </a:p>
@@ -8387,6 +8914,142 @@
               <a:rPr lang="en-US" smtClean="0"/>
               <a:pPr/>
               <a:t>7</a:t>
+            </a:fld>
+            <a:endParaRPr lang="en-US" dirty="0"/>
+          </a:p>
+        </p:txBody>
+      </p:sp>
+    </p:spTree>
+    <p:extLst>
+      <p:ext uri="{BB962C8B-B14F-4D97-AF65-F5344CB8AC3E}">
+        <p14:creationId xmlns:p14="http://schemas.microsoft.com/office/powerpoint/2010/main" val="2983346641"/>
+      </p:ext>
+    </p:extLst>
+  </p:cSld>
+  <p:clrMapOvr>
+    <a:masterClrMapping/>
+  </p:clrMapOvr>
+  <p:timing>
+    <p:tnLst>
+      <p:par>
+        <p:cTn id="1" dur="indefinite" restart="never" nodeType="tmRoot"/>
+      </p:par>
+    </p:tnLst>
+  </p:timing>
+</p:sld>
+</file>
+
+<file path=ppt/slides/slide8.xml><?xml version="1.0" encoding="utf-8"?>
+<p:sld xmlns:a="http://schemas.openxmlformats.org/drawingml/2006/main" xmlns:r="http://schemas.openxmlformats.org/officeDocument/2006/relationships" xmlns:p="http://schemas.openxmlformats.org/presentationml/2006/main">
+  <p:cSld>
+    <p:spTree>
+      <p:nvGrpSpPr>
+        <p:cNvPr id="1" name=""/>
+        <p:cNvGrpSpPr/>
+        <p:nvPr/>
+      </p:nvGrpSpPr>
+      <p:grpSpPr>
+        <a:xfrm>
+          <a:off x="0" y="0"/>
+          <a:ext cx="0" cy="0"/>
+          <a:chOff x="0" y="0"/>
+          <a:chExt cx="0" cy="0"/>
+        </a:xfrm>
+      </p:grpSpPr>
+      <p:sp>
+        <p:nvSpPr>
+          <p:cNvPr id="2" name="Titel 1"/>
+          <p:cNvSpPr>
+            <a:spLocks noGrp="1"/>
+          </p:cNvSpPr>
+          <p:nvPr>
+            <p:ph type="title"/>
+          </p:nvPr>
+        </p:nvSpPr>
+        <p:spPr/>
+        <p:txBody>
+          <a:bodyPr/>
+          <a:lstStyle/>
+          <a:p>
+            <a:r>
+              <a:rPr lang="de-DE" dirty="0" smtClean="0"/>
+              <a:t>Ausblick</a:t>
+            </a:r>
+            <a:endParaRPr lang="de-DE" dirty="0"/>
+          </a:p>
+        </p:txBody>
+      </p:sp>
+      <p:sp>
+        <p:nvSpPr>
+          <p:cNvPr id="3" name="Inhaltsplatzhalter 2"/>
+          <p:cNvSpPr>
+            <a:spLocks noGrp="1"/>
+          </p:cNvSpPr>
+          <p:nvPr>
+            <p:ph idx="1"/>
+          </p:nvPr>
+        </p:nvSpPr>
+        <p:spPr/>
+        <p:txBody>
+          <a:bodyPr/>
+          <a:lstStyle/>
+          <a:p>
+            <a:r>
+              <a:rPr lang="de-DE" dirty="0" smtClean="0"/>
+              <a:t>Implementierung der 3 Verfahren</a:t>
+            </a:r>
+          </a:p>
+          <a:p>
+            <a:r>
+              <a:rPr lang="de-DE" dirty="0" smtClean="0"/>
+              <a:t>Vergleich der 3 Verfahren</a:t>
+            </a:r>
+            <a:endParaRPr lang="de-DE" dirty="0"/>
+          </a:p>
+        </p:txBody>
+      </p:sp>
+      <p:sp>
+        <p:nvSpPr>
+          <p:cNvPr id="4" name="Datumsplatzhalter 3"/>
+          <p:cNvSpPr>
+            <a:spLocks noGrp="1"/>
+          </p:cNvSpPr>
+          <p:nvPr>
+            <p:ph type="dt" sz="half" idx="10"/>
+          </p:nvPr>
+        </p:nvSpPr>
+        <p:spPr/>
+        <p:txBody>
+          <a:bodyPr/>
+          <a:lstStyle/>
+          <a:p>
+            <a:fld id="{419CE78D-6FD4-4B0E-85F5-5FEA71F2658A}" type="datetime1">
+              <a:rPr lang="de-DE" smtClean="0"/>
+              <a:t>28.07.2016</a:t>
+            </a:fld>
+            <a:endParaRPr lang="en-US" dirty="0"/>
+          </a:p>
+        </p:txBody>
+      </p:sp>
+      <p:sp>
+        <p:nvSpPr>
+          <p:cNvPr id="5" name="Foliennummernplatzhalter 4"/>
+          <p:cNvSpPr>
+            <a:spLocks noGrp="1"/>
+          </p:cNvSpPr>
+          <p:nvPr>
+            <p:ph type="sldNum" sz="quarter" idx="12"/>
+          </p:nvPr>
+        </p:nvSpPr>
+        <p:spPr/>
+        <p:txBody>
+          <a:bodyPr/>
+          <a:lstStyle/>
+          <a:p>
+            <a:fld id="{519954A3-9DFD-4C44-94BA-B95130A3BA1C}" type="slidenum">
+              <a:rPr lang="en-US" smtClean="0"/>
+              <a:pPr/>
+              <a:t>8</a:t>
             </a:fld>
             <a:endParaRPr lang="en-US" dirty="0"/>
           </a:p>
